--- a/modelo-assinaturaNovo.pptx
+++ b/modelo-assinaturaNovo.pptx
@@ -243,7 +243,7 @@
           <a:p>
             <a:fld id="{C83DF08D-F92D-48C7-9403-C112B14E916F}" type="datetimeFigureOut">
               <a:rPr lang="pt-BR" smtClean="0"/>
-              <a:t>27/02/2025</a:t>
+              <a:t>28/02/2025</a:t>
             </a:fld>
             <a:endParaRPr lang="pt-BR"/>
           </a:p>
@@ -413,7 +413,7 @@
           <a:p>
             <a:fld id="{C83DF08D-F92D-48C7-9403-C112B14E916F}" type="datetimeFigureOut">
               <a:rPr lang="pt-BR" smtClean="0"/>
-              <a:t>27/02/2025</a:t>
+              <a:t>28/02/2025</a:t>
             </a:fld>
             <a:endParaRPr lang="pt-BR"/>
           </a:p>
@@ -593,7 +593,7 @@
           <a:p>
             <a:fld id="{C83DF08D-F92D-48C7-9403-C112B14E916F}" type="datetimeFigureOut">
               <a:rPr lang="pt-BR" smtClean="0"/>
-              <a:t>27/02/2025</a:t>
+              <a:t>28/02/2025</a:t>
             </a:fld>
             <a:endParaRPr lang="pt-BR"/>
           </a:p>
@@ -763,7 +763,7 @@
           <a:p>
             <a:fld id="{C83DF08D-F92D-48C7-9403-C112B14E916F}" type="datetimeFigureOut">
               <a:rPr lang="pt-BR" smtClean="0"/>
-              <a:t>27/02/2025</a:t>
+              <a:t>28/02/2025</a:t>
             </a:fld>
             <a:endParaRPr lang="pt-BR"/>
           </a:p>
@@ -1009,7 +1009,7 @@
           <a:p>
             <a:fld id="{C83DF08D-F92D-48C7-9403-C112B14E916F}" type="datetimeFigureOut">
               <a:rPr lang="pt-BR" smtClean="0"/>
-              <a:t>27/02/2025</a:t>
+              <a:t>28/02/2025</a:t>
             </a:fld>
             <a:endParaRPr lang="pt-BR"/>
           </a:p>
@@ -1241,7 +1241,7 @@
           <a:p>
             <a:fld id="{C83DF08D-F92D-48C7-9403-C112B14E916F}" type="datetimeFigureOut">
               <a:rPr lang="pt-BR" smtClean="0"/>
-              <a:t>27/02/2025</a:t>
+              <a:t>28/02/2025</a:t>
             </a:fld>
             <a:endParaRPr lang="pt-BR"/>
           </a:p>
@@ -1608,7 +1608,7 @@
           <a:p>
             <a:fld id="{C83DF08D-F92D-48C7-9403-C112B14E916F}" type="datetimeFigureOut">
               <a:rPr lang="pt-BR" smtClean="0"/>
-              <a:t>27/02/2025</a:t>
+              <a:t>28/02/2025</a:t>
             </a:fld>
             <a:endParaRPr lang="pt-BR"/>
           </a:p>
@@ -1726,7 +1726,7 @@
           <a:p>
             <a:fld id="{C83DF08D-F92D-48C7-9403-C112B14E916F}" type="datetimeFigureOut">
               <a:rPr lang="pt-BR" smtClean="0"/>
-              <a:t>27/02/2025</a:t>
+              <a:t>28/02/2025</a:t>
             </a:fld>
             <a:endParaRPr lang="pt-BR"/>
           </a:p>
@@ -1821,7 +1821,7 @@
           <a:p>
             <a:fld id="{C83DF08D-F92D-48C7-9403-C112B14E916F}" type="datetimeFigureOut">
               <a:rPr lang="pt-BR" smtClean="0"/>
-              <a:t>27/02/2025</a:t>
+              <a:t>28/02/2025</a:t>
             </a:fld>
             <a:endParaRPr lang="pt-BR"/>
           </a:p>
@@ -2098,7 +2098,7 @@
           <a:p>
             <a:fld id="{C83DF08D-F92D-48C7-9403-C112B14E916F}" type="datetimeFigureOut">
               <a:rPr lang="pt-BR" smtClean="0"/>
-              <a:t>27/02/2025</a:t>
+              <a:t>28/02/2025</a:t>
             </a:fld>
             <a:endParaRPr lang="pt-BR"/>
           </a:p>
@@ -2355,7 +2355,7 @@
           <a:p>
             <a:fld id="{C83DF08D-F92D-48C7-9403-C112B14E916F}" type="datetimeFigureOut">
               <a:rPr lang="pt-BR" smtClean="0"/>
-              <a:t>27/02/2025</a:t>
+              <a:t>28/02/2025</a:t>
             </a:fld>
             <a:endParaRPr lang="pt-BR"/>
           </a:p>
@@ -2568,7 +2568,7 @@
           <a:p>
             <a:fld id="{C83DF08D-F92D-48C7-9403-C112B14E916F}" type="datetimeFigureOut">
               <a:rPr lang="pt-BR" smtClean="0"/>
-              <a:t>27/02/2025</a:t>
+              <a:t>28/02/2025</a:t>
             </a:fld>
             <a:endParaRPr lang="pt-BR"/>
           </a:p>
@@ -3008,7 +3008,7 @@
         </p:blipFill>
         <p:spPr>
           <a:xfrm>
-            <a:off x="1065286" y="1082455"/>
+            <a:off x="950929" y="1070263"/>
             <a:ext cx="2793655" cy="1800225"/>
           </a:xfrm>
           <a:prstGeom prst="rect">
@@ -3030,7 +3030,7 @@
         </p:nvSpPr>
         <p:spPr>
           <a:xfrm>
-            <a:off x="4859997" y="1766932"/>
+            <a:off x="4833611" y="1789690"/>
             <a:ext cx="3395213" cy="430887"/>
           </a:xfrm>
           <a:prstGeom prst="rect">
@@ -3070,7 +3070,7 @@
         </p:nvSpPr>
         <p:spPr>
           <a:xfrm>
-            <a:off x="4859997" y="2375610"/>
+            <a:off x="4841792" y="2475100"/>
             <a:ext cx="4683208" cy="430887"/>
           </a:xfrm>
           <a:prstGeom prst="rect">
@@ -3085,7 +3085,7 @@
           <a:lstStyle/>
           <a:p>
             <a:r>
-              <a:rPr lang="pt-BR" sz="2200" dirty="0">
+              <a:rPr lang="pt-BR" sz="2200" u="sng" dirty="0">
                 <a:solidFill>
                   <a:srgbClr val="00A551"/>
                 </a:solidFill>
@@ -3110,8 +3110,8 @@
         </p:nvSpPr>
         <p:spPr>
           <a:xfrm>
-            <a:off x="4879863" y="3160972"/>
-            <a:ext cx="3825097" cy="430887"/>
+            <a:off x="4833611" y="3094650"/>
+            <a:ext cx="3603253" cy="430887"/>
           </a:xfrm>
           <a:prstGeom prst="rect">
             <a:avLst/>
@@ -3157,7 +3157,7 @@
         </p:blipFill>
         <p:spPr>
           <a:xfrm>
-            <a:off x="4498852" y="3114806"/>
+            <a:off x="4400473" y="3042857"/>
             <a:ext cx="495340" cy="460696"/>
           </a:xfrm>
           <a:prstGeom prst="rect">
@@ -3221,68 +3221,6 @@
       </p:sp>
       <p:pic>
         <p:nvPicPr>
-          <p:cNvPr id="4" name="Imagem 3">
-            <a:extLst>
-              <a:ext uri="{FF2B5EF4-FFF2-40B4-BE49-F238E27FC236}">
-                <a16:creationId xmlns:a16="http://schemas.microsoft.com/office/drawing/2014/main" id="{B462EBDF-D921-84FE-AC8F-60152A23E7F3}"/>
-              </a:ext>
-            </a:extLst>
-          </p:cNvPr>
-          <p:cNvPicPr>
-            <a:picLocks noChangeAspect="1"/>
-          </p:cNvPicPr>
-          <p:nvPr/>
-        </p:nvPicPr>
-        <p:blipFill>
-          <a:blip r:embed="rId5">
-            <a:clrChange>
-              <a:clrFrom>
-                <a:srgbClr val="F7F7F7"/>
-              </a:clrFrom>
-              <a:clrTo>
-                <a:srgbClr val="F7F7F7">
-                  <a:alpha val="0"/>
-                </a:srgbClr>
-              </a:clrTo>
-            </a:clrChange>
-            <a:duotone>
-              <a:prstClr val="black"/>
-              <a:srgbClr val="ABDD97">
-                <a:tint val="45000"/>
-                <a:satMod val="400000"/>
-              </a:srgbClr>
-            </a:duotone>
-            <a:extLst>
-              <a:ext uri="{BEBA8EAE-BF5A-486C-A8C5-ECC9F3942E4B}">
-                <a14:imgProps xmlns:a14="http://schemas.microsoft.com/office/drawing/2010/main">
-                  <a14:imgLayer r:embed="rId6">
-                    <a14:imgEffect>
-                      <a14:saturation sat="400000"/>
-                    </a14:imgEffect>
-                  </a14:imgLayer>
-                </a14:imgProps>
-              </a:ext>
-              <a:ext uri="{28A0092B-C50C-407E-A947-70E740481C1C}">
-                <a14:useLocalDpi xmlns:a14="http://schemas.microsoft.com/office/drawing/2010/main" val="0"/>
-              </a:ext>
-            </a:extLst>
-          </a:blip>
-          <a:stretch>
-            <a:fillRect/>
-          </a:stretch>
-        </p:blipFill>
-        <p:spPr>
-          <a:xfrm>
-            <a:off x="4548752" y="1768131"/>
-            <a:ext cx="395539" cy="390966"/>
-          </a:xfrm>
-          <a:prstGeom prst="rect">
-            <a:avLst/>
-          </a:prstGeom>
-        </p:spPr>
-      </p:pic>
-      <p:pic>
-        <p:nvPicPr>
           <p:cNvPr id="3" name="Picture 13">
             <a:extLst>
               <a:ext uri="{FF2B5EF4-FFF2-40B4-BE49-F238E27FC236}">
@@ -3302,7 +3240,7 @@
         </p:blipFill>
         <p:spPr>
           <a:xfrm>
-            <a:off x="4570932" y="2375611"/>
+            <a:off x="4472466" y="2444278"/>
             <a:ext cx="289065" cy="430887"/>
           </a:xfrm>
           <a:prstGeom prst="rect">
@@ -3310,81 +3248,6 @@
           </a:prstGeom>
         </p:spPr>
       </p:pic>
-      <p:sp>
-        <p:nvSpPr>
-          <p:cNvPr id="6" name="TextBox 7">
-            <a:extLst>
-              <a:ext uri="{FF2B5EF4-FFF2-40B4-BE49-F238E27FC236}">
-                <a16:creationId xmlns:a16="http://schemas.microsoft.com/office/drawing/2014/main" id="{5DE9319C-ACDD-D42A-9E5A-20C8375D9EED}"/>
-              </a:ext>
-            </a:extLst>
-          </p:cNvPr>
-          <p:cNvSpPr txBox="1"/>
-          <p:nvPr/>
-        </p:nvSpPr>
-        <p:spPr>
-          <a:xfrm>
-            <a:off x="4498852" y="776623"/>
-            <a:ext cx="5026148" cy="892512"/>
-          </a:xfrm>
-          <a:prstGeom prst="rect">
-            <a:avLst/>
-          </a:prstGeom>
-          <a:noFill/>
-          <a:ln>
-            <a:noFill/>
-          </a:ln>
-        </p:spPr>
-        <p:txBody>
-          <a:bodyPr spcFirstLastPara="1" wrap="square" lIns="91425" tIns="45700" rIns="91425" bIns="45700" anchor="t" anchorCtr="0">
-            <a:spAutoFit/>
-          </a:bodyPr>
-          <a:lstStyle>
-            <a:defPPr>
-              <a:defRPr lang="en-US"/>
-            </a:defPPr>
-            <a:lvl1pPr marR="0" lvl="0" indent="0">
-              <a:spcBef>
-                <a:spcPts val="0"/>
-              </a:spcBef>
-              <a:spcAft>
-                <a:spcPts val="0"/>
-              </a:spcAft>
-              <a:buNone/>
-              <a:defRPr sz="3600" b="0" i="0" u="none" strike="noStrike" cap="none">
-                <a:solidFill>
-                  <a:schemeClr val="tx1">
-                    <a:lumMod val="65000"/>
-                    <a:lumOff val="35000"/>
-                  </a:schemeClr>
-                </a:solidFill>
-                <a:latin typeface="Arial"/>
-                <a:ea typeface="Arial"/>
-                <a:cs typeface="Arial"/>
-              </a:defRPr>
-            </a:lvl1pPr>
-          </a:lstStyle>
-          <a:p>
-            <a:r>
-              <a:rPr lang="pt-BR" sz="3200" dirty="0">
-                <a:latin typeface="+mn-lt"/>
-              </a:rPr>
-              <a:t>{{Nome}}</a:t>
-            </a:r>
-          </a:p>
-          <a:p>
-            <a:endParaRPr lang="pt-BR" sz="2000" dirty="0">
-              <a:solidFill>
-                <a:schemeClr val="tx1">
-                  <a:lumMod val="65000"/>
-                  <a:lumOff val="35000"/>
-                </a:schemeClr>
-              </a:solidFill>
-              <a:cs typeface="Arial"/>
-            </a:endParaRPr>
-          </a:p>
-        </p:txBody>
-      </p:sp>
       <p:sp>
         <p:nvSpPr>
           <p:cNvPr id="16" name="CaixaDeTexto 15">
@@ -3399,8 +3262,8 @@
         </p:nvSpPr>
         <p:spPr>
           <a:xfrm>
-            <a:off x="4548752" y="1267826"/>
-            <a:ext cx="4783346" cy="400110"/>
+            <a:off x="4395787" y="1252710"/>
+            <a:ext cx="5129212" cy="400110"/>
           </a:xfrm>
           <a:prstGeom prst="rect">
             <a:avLst/>
@@ -3455,6 +3318,109 @@
           </a:p>
         </p:txBody>
       </p:sp>
+      <p:sp>
+        <p:nvSpPr>
+          <p:cNvPr id="7" name="CaixaDeTexto 6">
+            <a:extLst>
+              <a:ext uri="{FF2B5EF4-FFF2-40B4-BE49-F238E27FC236}">
+                <a16:creationId xmlns:a16="http://schemas.microsoft.com/office/drawing/2014/main" id="{FC6C3729-7168-D94C-9670-9A99FC459184}"/>
+              </a:ext>
+            </a:extLst>
+          </p:cNvPr>
+          <p:cNvSpPr txBox="1"/>
+          <p:nvPr/>
+        </p:nvSpPr>
+        <p:spPr>
+          <a:xfrm>
+            <a:off x="4384494" y="757254"/>
+            <a:ext cx="5140505" cy="584775"/>
+          </a:xfrm>
+          <a:prstGeom prst="rect">
+            <a:avLst/>
+          </a:prstGeom>
+          <a:noFill/>
+        </p:spPr>
+        <p:txBody>
+          <a:bodyPr wrap="square">
+            <a:spAutoFit/>
+          </a:bodyPr>
+          <a:lstStyle/>
+          <a:p>
+            <a:r>
+              <a:rPr lang="pt-BR" sz="2800" dirty="0">
+                <a:solidFill>
+                  <a:schemeClr val="tx1">
+                    <a:lumMod val="65000"/>
+                    <a:lumOff val="35000"/>
+                  </a:schemeClr>
+                </a:solidFill>
+                <a:latin typeface="+mn-lt"/>
+              </a:rPr>
+              <a:t>{{</a:t>
+            </a:r>
+            <a:r>
+              <a:rPr lang="pt-BR" sz="3200" b="1" dirty="0">
+                <a:solidFill>
+                  <a:schemeClr val="tx1">
+                    <a:lumMod val="65000"/>
+                    <a:lumOff val="35000"/>
+                  </a:schemeClr>
+                </a:solidFill>
+                <a:latin typeface="+mn-lt"/>
+              </a:rPr>
+              <a:t>Nome</a:t>
+            </a:r>
+            <a:r>
+              <a:rPr lang="pt-BR" sz="2800" dirty="0">
+                <a:solidFill>
+                  <a:schemeClr val="tx1">
+                    <a:lumMod val="65000"/>
+                    <a:lumOff val="35000"/>
+                  </a:schemeClr>
+                </a:solidFill>
+                <a:latin typeface="+mn-lt"/>
+              </a:rPr>
+              <a:t>}}</a:t>
+            </a:r>
+          </a:p>
+        </p:txBody>
+      </p:sp>
+      <p:pic>
+        <p:nvPicPr>
+          <p:cNvPr id="12" name="Imagem 11" descr="Desenho com traços pretos em fundo branco&#10;&#10;O conteúdo gerado por IA pode estar incorreto.">
+            <a:extLst>
+              <a:ext uri="{FF2B5EF4-FFF2-40B4-BE49-F238E27FC236}">
+                <a16:creationId xmlns:a16="http://schemas.microsoft.com/office/drawing/2014/main" id="{FEAE2200-3197-EAF4-B89A-660DB9794EEB}"/>
+              </a:ext>
+            </a:extLst>
+          </p:cNvPr>
+          <p:cNvPicPr>
+            <a:picLocks noChangeAspect="1"/>
+          </p:cNvPicPr>
+          <p:nvPr/>
+        </p:nvPicPr>
+        <p:blipFill>
+          <a:blip r:embed="rId5">
+            <a:extLst>
+              <a:ext uri="{28A0092B-C50C-407E-A947-70E740481C1C}">
+                <a14:useLocalDpi xmlns:a14="http://schemas.microsoft.com/office/drawing/2010/main" val="0"/>
+              </a:ext>
+            </a:extLst>
+          </a:blip>
+          <a:stretch>
+            <a:fillRect/>
+          </a:stretch>
+        </p:blipFill>
+        <p:spPr>
+          <a:xfrm>
+            <a:off x="4435443" y="1789690"/>
+            <a:ext cx="406349" cy="406349"/>
+          </a:xfrm>
+          <a:prstGeom prst="rect">
+            <a:avLst/>
+          </a:prstGeom>
+        </p:spPr>
+      </p:pic>
     </p:spTree>
     <p:extLst>
       <p:ext uri="{BB962C8B-B14F-4D97-AF65-F5344CB8AC3E}">
@@ -3730,6 +3696,23 @@
 </file>
 
 <file path=customXml/item1.xml><?xml version="1.0" encoding="utf-8"?>
+<?mso-contentType ?>
+<FormTemplates xmlns="http://schemas.microsoft.com/sharepoint/v3/contenttype/forms">
+  <Display>DocumentLibraryForm</Display>
+  <Edit>DocumentLibraryForm</Edit>
+  <New>DocumentLibraryForm</New>
+</FormTemplates>
+</file>
+
+<file path=customXml/item2.xml><?xml version="1.0" encoding="utf-8"?>
+<p:properties xmlns:p="http://schemas.microsoft.com/office/2006/metadata/properties" xmlns:xsi="http://www.w3.org/2001/XMLSchema-instance" xmlns:pc="http://schemas.microsoft.com/office/infopath/2007/PartnerControls">
+  <documentManagement>
+    <_activity xmlns="b3f07dbc-7eda-4c92-8a3c-adaef3fe5e4e" xsi:nil="true"/>
+  </documentManagement>
+</p:properties>
+</file>
+
+<file path=customXml/item3.xml><?xml version="1.0" encoding="utf-8"?>
 <ct:contentTypeSchema xmlns:ct="http://schemas.microsoft.com/office/2006/metadata/contentType" xmlns:ma="http://schemas.microsoft.com/office/2006/metadata/properties/metaAttributes" ct:_="" ma:_="" ma:contentTypeName="Documento" ma:contentTypeID="0x01010086A9382B7E76E14E9A920047372EE246" ma:contentTypeVersion="9" ma:contentTypeDescription="Crie um novo documento." ma:contentTypeScope="" ma:versionID="8223f79585fc2ba81564a183728fce34">
   <xsd:schema xmlns:xsd="http://www.w3.org/2001/XMLSchema" xmlns:xs="http://www.w3.org/2001/XMLSchema" xmlns:p="http://schemas.microsoft.com/office/2006/metadata/properties" xmlns:ns3="b3f07dbc-7eda-4c92-8a3c-adaef3fe5e4e" xmlns:ns4="53f03679-39f1-44af-9be5-df2d9fd8b33a" targetNamespace="http://schemas.microsoft.com/office/2006/metadata/properties" ma:root="true" ma:fieldsID="65690a103dd04b616d6dc3f5800dd132" ns3:_="" ns4:_="">
     <xsd:import namespace="b3f07dbc-7eda-4c92-8a3c-adaef3fe5e4e"/>
@@ -3924,38 +3907,10 @@
 </ct:contentTypeSchema>
 </file>
 
-<file path=customXml/item2.xml><?xml version="1.0" encoding="utf-8"?>
-<p:properties xmlns:p="http://schemas.microsoft.com/office/2006/metadata/properties" xmlns:xsi="http://www.w3.org/2001/XMLSchema-instance" xmlns:pc="http://schemas.microsoft.com/office/infopath/2007/PartnerControls">
-  <documentManagement>
-    <_activity xmlns="b3f07dbc-7eda-4c92-8a3c-adaef3fe5e4e" xsi:nil="true"/>
-  </documentManagement>
-</p:properties>
-</file>
-
-<file path=customXml/item3.xml><?xml version="1.0" encoding="utf-8"?>
-<?mso-contentType ?>
-<FormTemplates xmlns="http://schemas.microsoft.com/sharepoint/v3/contenttype/forms">
-  <Display>DocumentLibraryForm</Display>
-  <Edit>DocumentLibraryForm</Edit>
-  <New>DocumentLibraryForm</New>
-</FormTemplates>
-</file>
-
 <file path=customXml/itemProps1.xml><?xml version="1.0" encoding="utf-8"?>
-<ds:datastoreItem xmlns:ds="http://schemas.openxmlformats.org/officeDocument/2006/customXml" ds:itemID="{0053F4B3-CF39-408E-9789-58FAB99B252F}">
+<ds:datastoreItem xmlns:ds="http://schemas.openxmlformats.org/officeDocument/2006/customXml" ds:itemID="{0370E763-90E6-42B1-B6DC-55A0B7E81DB6}">
   <ds:schemaRefs>
-    <ds:schemaRef ds:uri="http://schemas.microsoft.com/office/2006/metadata/contentType"/>
-    <ds:schemaRef ds:uri="http://schemas.microsoft.com/office/2006/metadata/properties/metaAttributes"/>
-    <ds:schemaRef ds:uri="http://www.w3.org/2001/XMLSchema"/>
-    <ds:schemaRef ds:uri="http://schemas.microsoft.com/office/2006/metadata/properties"/>
-    <ds:schemaRef ds:uri="b3f07dbc-7eda-4c92-8a3c-adaef3fe5e4e"/>
-    <ds:schemaRef ds:uri="53f03679-39f1-44af-9be5-df2d9fd8b33a"/>
-    <ds:schemaRef ds:uri="http://schemas.microsoft.com/office/2006/documentManagement/types"/>
-    <ds:schemaRef ds:uri="http://schemas.microsoft.com/office/infopath/2007/PartnerControls"/>
-    <ds:schemaRef ds:uri="http://schemas.openxmlformats.org/package/2006/metadata/core-properties"/>
-    <ds:schemaRef ds:uri="http://purl.org/dc/elements/1.1/"/>
-    <ds:schemaRef ds:uri="http://purl.org/dc/terms/"/>
-    <ds:schemaRef ds:uri="http://schemas.microsoft.com/internal/obd"/>
+    <ds:schemaRef ds:uri="http://schemas.microsoft.com/sharepoint/v3/contenttype/forms"/>
   </ds:schemaRefs>
 </ds:datastoreItem>
 </file>
@@ -3978,9 +3933,20 @@
 </file>
 
 <file path=customXml/itemProps3.xml><?xml version="1.0" encoding="utf-8"?>
-<ds:datastoreItem xmlns:ds="http://schemas.openxmlformats.org/officeDocument/2006/customXml" ds:itemID="{0370E763-90E6-42B1-B6DC-55A0B7E81DB6}">
+<ds:datastoreItem xmlns:ds="http://schemas.openxmlformats.org/officeDocument/2006/customXml" ds:itemID="{0053F4B3-CF39-408E-9789-58FAB99B252F}">
   <ds:schemaRefs>
-    <ds:schemaRef ds:uri="http://schemas.microsoft.com/sharepoint/v3/contenttype/forms"/>
+    <ds:schemaRef ds:uri="http://schemas.microsoft.com/office/2006/metadata/contentType"/>
+    <ds:schemaRef ds:uri="http://schemas.microsoft.com/office/2006/metadata/properties/metaAttributes"/>
+    <ds:schemaRef ds:uri="http://www.w3.org/2001/XMLSchema"/>
+    <ds:schemaRef ds:uri="http://schemas.microsoft.com/office/2006/metadata/properties"/>
+    <ds:schemaRef ds:uri="b3f07dbc-7eda-4c92-8a3c-adaef3fe5e4e"/>
+    <ds:schemaRef ds:uri="53f03679-39f1-44af-9be5-df2d9fd8b33a"/>
+    <ds:schemaRef ds:uri="http://schemas.microsoft.com/office/2006/documentManagement/types"/>
+    <ds:schemaRef ds:uri="http://schemas.microsoft.com/office/infopath/2007/PartnerControls"/>
+    <ds:schemaRef ds:uri="http://schemas.openxmlformats.org/package/2006/metadata/core-properties"/>
+    <ds:schemaRef ds:uri="http://purl.org/dc/elements/1.1/"/>
+    <ds:schemaRef ds:uri="http://purl.org/dc/terms/"/>
+    <ds:schemaRef ds:uri="http://schemas.microsoft.com/internal/obd"/>
   </ds:schemaRefs>
 </ds:datastoreItem>
 </file>